--- a/PPT/PEMODELAN BERBASIS DATA UNTUK MEMPREDIKSI GAJI BERDASARKAN FAKTOR-FAKTOR.pptx
+++ b/PPT/PEMODELAN BERBASIS DATA UNTUK MEMPREDIKSI GAJI BERDASARKAN FAKTOR-FAKTOR.pptx
@@ -117,6 +117,11 @@
       </a:defRPr>
     </a:lvl9pPr>
   </p:defaultTextStyle>
+  <p:extLst>
+    <p:ext uri="{EFAFB233-063F-42B5-8137-9DF3F51BA10A}">
+      <p15:sldGuideLst xmlns:p15="http://schemas.microsoft.com/office/powerpoint/2012/main"/>
+    </p:ext>
+  </p:extLst>
 </p:presentation>
 </file>
 
@@ -269,7 +274,7 @@
           <a:p>
             <a:fld id="{CB7170F8-E1E9-4B6E-86F9-A71EB38292AC}" type="datetimeFigureOut">
               <a:rPr lang="en-ID" smtClean="0"/>
-              <a:t>30/06/2022</a:t>
+              <a:t>04/07/2022</a:t>
             </a:fld>
             <a:endParaRPr lang="en-ID"/>
           </a:p>
@@ -469,7 +474,7 @@
           <a:p>
             <a:fld id="{CB7170F8-E1E9-4B6E-86F9-A71EB38292AC}" type="datetimeFigureOut">
               <a:rPr lang="en-ID" smtClean="0"/>
-              <a:t>30/06/2022</a:t>
+              <a:t>04/07/2022</a:t>
             </a:fld>
             <a:endParaRPr lang="en-ID"/>
           </a:p>
@@ -679,7 +684,7 @@
           <a:p>
             <a:fld id="{CB7170F8-E1E9-4B6E-86F9-A71EB38292AC}" type="datetimeFigureOut">
               <a:rPr lang="en-ID" smtClean="0"/>
-              <a:t>30/06/2022</a:t>
+              <a:t>04/07/2022</a:t>
             </a:fld>
             <a:endParaRPr lang="en-ID"/>
           </a:p>
@@ -879,7 +884,7 @@
           <a:p>
             <a:fld id="{CB7170F8-E1E9-4B6E-86F9-A71EB38292AC}" type="datetimeFigureOut">
               <a:rPr lang="en-ID" smtClean="0"/>
-              <a:t>30/06/2022</a:t>
+              <a:t>04/07/2022</a:t>
             </a:fld>
             <a:endParaRPr lang="en-ID"/>
           </a:p>
@@ -1155,7 +1160,7 @@
           <a:p>
             <a:fld id="{CB7170F8-E1E9-4B6E-86F9-A71EB38292AC}" type="datetimeFigureOut">
               <a:rPr lang="en-ID" smtClean="0"/>
-              <a:t>30/06/2022</a:t>
+              <a:t>04/07/2022</a:t>
             </a:fld>
             <a:endParaRPr lang="en-ID"/>
           </a:p>
@@ -1423,7 +1428,7 @@
           <a:p>
             <a:fld id="{CB7170F8-E1E9-4B6E-86F9-A71EB38292AC}" type="datetimeFigureOut">
               <a:rPr lang="en-ID" smtClean="0"/>
-              <a:t>30/06/2022</a:t>
+              <a:t>04/07/2022</a:t>
             </a:fld>
             <a:endParaRPr lang="en-ID"/>
           </a:p>
@@ -1838,7 +1843,7 @@
           <a:p>
             <a:fld id="{CB7170F8-E1E9-4B6E-86F9-A71EB38292AC}" type="datetimeFigureOut">
               <a:rPr lang="en-ID" smtClean="0"/>
-              <a:t>30/06/2022</a:t>
+              <a:t>04/07/2022</a:t>
             </a:fld>
             <a:endParaRPr lang="en-ID"/>
           </a:p>
@@ -1980,7 +1985,7 @@
           <a:p>
             <a:fld id="{CB7170F8-E1E9-4B6E-86F9-A71EB38292AC}" type="datetimeFigureOut">
               <a:rPr lang="en-ID" smtClean="0"/>
-              <a:t>30/06/2022</a:t>
+              <a:t>04/07/2022</a:t>
             </a:fld>
             <a:endParaRPr lang="en-ID"/>
           </a:p>
@@ -2093,7 +2098,7 @@
           <a:p>
             <a:fld id="{CB7170F8-E1E9-4B6E-86F9-A71EB38292AC}" type="datetimeFigureOut">
               <a:rPr lang="en-ID" smtClean="0"/>
-              <a:t>30/06/2022</a:t>
+              <a:t>04/07/2022</a:t>
             </a:fld>
             <a:endParaRPr lang="en-ID"/>
           </a:p>
@@ -2406,7 +2411,7 @@
           <a:p>
             <a:fld id="{CB7170F8-E1E9-4B6E-86F9-A71EB38292AC}" type="datetimeFigureOut">
               <a:rPr lang="en-ID" smtClean="0"/>
-              <a:t>30/06/2022</a:t>
+              <a:t>04/07/2022</a:t>
             </a:fld>
             <a:endParaRPr lang="en-ID"/>
           </a:p>
@@ -2695,7 +2700,7 @@
           <a:p>
             <a:fld id="{CB7170F8-E1E9-4B6E-86F9-A71EB38292AC}" type="datetimeFigureOut">
               <a:rPr lang="en-ID" smtClean="0"/>
-              <a:t>30/06/2022</a:t>
+              <a:t>04/07/2022</a:t>
             </a:fld>
             <a:endParaRPr lang="en-ID"/>
           </a:p>
@@ -2938,7 +2943,7 @@
           <a:p>
             <a:fld id="{CB7170F8-E1E9-4B6E-86F9-A71EB38292AC}" type="datetimeFigureOut">
               <a:rPr lang="en-ID" smtClean="0"/>
-              <a:t>30/06/2022</a:t>
+              <a:t>04/07/2022</a:t>
             </a:fld>
             <a:endParaRPr lang="en-ID"/>
           </a:p>
@@ -3509,6 +3514,90 @@
           <a:bodyPr/>
           <a:lstStyle/>
           <a:p>
+            <a:r>
+              <a:rPr lang="en-US" dirty="0" err="1"/>
+              <a:t>Jelaskan</a:t>
+            </a:r>
+            <a:r>
+              <a:rPr lang="en-US" dirty="0"/>
+              <a:t> </a:t>
+            </a:r>
+            <a:r>
+              <a:rPr lang="en-US" dirty="0" err="1"/>
+              <a:t>karakteristik</a:t>
+            </a:r>
+            <a:endParaRPr lang="en-US" dirty="0"/>
+          </a:p>
+          <a:p>
+            <a:r>
+              <a:rPr lang="en-US" dirty="0" err="1"/>
+              <a:t>Dapet</a:t>
+            </a:r>
+            <a:r>
+              <a:rPr lang="en-US" dirty="0"/>
+              <a:t> </a:t>
+            </a:r>
+            <a:r>
+              <a:rPr lang="en-US" dirty="0" err="1"/>
+              <a:t>darimana</a:t>
+            </a:r>
+            <a:endParaRPr lang="en-US" dirty="0"/>
+          </a:p>
+          <a:p>
+            <a:r>
+              <a:rPr lang="en-US" dirty="0" err="1"/>
+              <a:t>Untuk</a:t>
+            </a:r>
+            <a:r>
+              <a:rPr lang="en-US" dirty="0"/>
+              <a:t> </a:t>
+            </a:r>
+            <a:r>
+              <a:rPr lang="en-US" dirty="0" err="1"/>
+              <a:t>apa</a:t>
+            </a:r>
+            <a:endParaRPr lang="en-US" dirty="0"/>
+          </a:p>
+          <a:p>
+            <a:endParaRPr lang="en-US" dirty="0"/>
+          </a:p>
+          <a:p>
+            <a:r>
+              <a:rPr lang="en-US" dirty="0" err="1"/>
+              <a:t>Direktur</a:t>
+            </a:r>
+            <a:r>
+              <a:rPr lang="en-US" dirty="0"/>
+              <a:t>, w </a:t>
+            </a:r>
+            <a:r>
+              <a:rPr lang="en-US" dirty="0" err="1"/>
+              <a:t>direktur</a:t>
+            </a:r>
+            <a:r>
+              <a:rPr lang="en-US" dirty="0"/>
+              <a:t>, </a:t>
+            </a:r>
+            <a:r>
+              <a:rPr lang="en-US" dirty="0" err="1"/>
+              <a:t>manajer</a:t>
+            </a:r>
+            <a:r>
+              <a:rPr lang="en-US" dirty="0"/>
+              <a:t> senior, </a:t>
+            </a:r>
+            <a:r>
+              <a:rPr lang="en-US" dirty="0" err="1"/>
+              <a:t>kepala</a:t>
+            </a:r>
+            <a:r>
+              <a:rPr lang="en-US" dirty="0"/>
+              <a:t> divisi, staff </a:t>
+            </a:r>
+            <a:r>
+              <a:rPr lang="en-US"/>
+              <a:t>pegawai</a:t>
+            </a:r>
             <a:endParaRPr lang="en-ID" dirty="0"/>
           </a:p>
         </p:txBody>
@@ -10677,10 +10766,431 @@
         </p:nvSpPr>
         <p:spPr/>
         <p:txBody>
-          <a:bodyPr/>
+          <a:bodyPr>
+            <a:normAutofit fontScale="62500" lnSpcReduction="20000"/>
+          </a:bodyPr>
           <a:lstStyle/>
           <a:p>
-            <a:endParaRPr lang="en-ID" dirty="0"/>
+            <a:r>
+              <a:rPr lang="en-US" dirty="0" err="1"/>
+              <a:t>Isu</a:t>
+            </a:r>
+            <a:r>
+              <a:rPr lang="en-US" dirty="0"/>
+              <a:t> = </a:t>
+            </a:r>
+            <a:r>
+              <a:rPr lang="en-US" dirty="0" err="1"/>
+              <a:t>Prediksi</a:t>
+            </a:r>
+            <a:r>
+              <a:rPr lang="en-US" dirty="0"/>
+              <a:t>, framework,</a:t>
+            </a:r>
+          </a:p>
+          <a:p>
+            <a:r>
+              <a:rPr lang="en-US" dirty="0" err="1"/>
+              <a:t>Mencari</a:t>
+            </a:r>
+            <a:r>
+              <a:rPr lang="en-US" dirty="0"/>
+              <a:t> </a:t>
+            </a:r>
+            <a:r>
+              <a:rPr lang="en-US" dirty="0" err="1"/>
+              <a:t>taksonomi</a:t>
+            </a:r>
+            <a:r>
+              <a:rPr lang="en-US" dirty="0"/>
+              <a:t> </a:t>
+            </a:r>
+            <a:r>
+              <a:rPr lang="en-US" dirty="0" err="1"/>
+              <a:t>terbaik</a:t>
+            </a:r>
+            <a:r>
+              <a:rPr lang="en-US" dirty="0"/>
+              <a:t>, dan </a:t>
+            </a:r>
+            <a:r>
+              <a:rPr lang="en-US" dirty="0" err="1"/>
+              <a:t>ambil</a:t>
+            </a:r>
+            <a:r>
+              <a:rPr lang="en-US" dirty="0"/>
+              <a:t> </a:t>
+            </a:r>
+            <a:r>
+              <a:rPr lang="en-US" dirty="0" err="1"/>
+              <a:t>kesimpulan</a:t>
+            </a:r>
+            <a:endParaRPr lang="en-US" dirty="0"/>
+          </a:p>
+          <a:p>
+            <a:r>
+              <a:rPr lang="en-US" dirty="0" err="1"/>
+              <a:t>Mengambil</a:t>
+            </a:r>
+            <a:r>
+              <a:rPr lang="en-US" dirty="0"/>
+              <a:t> paper yang </a:t>
+            </a:r>
+            <a:r>
+              <a:rPr lang="en-US" dirty="0" err="1"/>
+              <a:t>terbaik</a:t>
+            </a:r>
+            <a:endParaRPr lang="en-US" dirty="0"/>
+          </a:p>
+          <a:p>
+            <a:r>
+              <a:rPr lang="en-US" dirty="0" err="1"/>
+              <a:t>Setelah</a:t>
+            </a:r>
+            <a:r>
+              <a:rPr lang="en-US" dirty="0"/>
+              <a:t> </a:t>
+            </a:r>
+            <a:r>
+              <a:rPr lang="en-US" dirty="0" err="1"/>
+              <a:t>tabel</a:t>
+            </a:r>
+            <a:r>
+              <a:rPr lang="en-US" dirty="0"/>
+              <a:t> </a:t>
+            </a:r>
+            <a:r>
+              <a:rPr lang="en-US" dirty="0" err="1"/>
+              <a:t>tambahkan</a:t>
+            </a:r>
+            <a:r>
+              <a:rPr lang="en-US" dirty="0"/>
+              <a:t> pada </a:t>
+            </a:r>
+            <a:r>
+              <a:rPr lang="en-US" dirty="0" err="1"/>
+              <a:t>laporan</a:t>
+            </a:r>
+            <a:endParaRPr lang="en-US" dirty="0"/>
+          </a:p>
+          <a:p>
+            <a:r>
+              <a:rPr lang="en-US" dirty="0" err="1"/>
+              <a:t>Membandingkan</a:t>
+            </a:r>
+            <a:r>
+              <a:rPr lang="en-US" dirty="0"/>
+              <a:t> paper</a:t>
+            </a:r>
+          </a:p>
+          <a:p>
+            <a:r>
+              <a:rPr lang="en-US" dirty="0" err="1"/>
+              <a:t>Evaluasi</a:t>
+            </a:r>
+            <a:r>
+              <a:rPr lang="en-US" dirty="0"/>
+              <a:t> model, </a:t>
+            </a:r>
+            <a:r>
+              <a:rPr lang="en-US" dirty="0" err="1"/>
+              <a:t>dari</a:t>
+            </a:r>
+            <a:r>
+              <a:rPr lang="en-US" dirty="0"/>
+              <a:t> </a:t>
+            </a:r>
+            <a:r>
+              <a:rPr lang="en-US" dirty="0" err="1"/>
+              <a:t>akurasinya</a:t>
+            </a:r>
+            <a:r>
+              <a:rPr lang="en-US" dirty="0"/>
+              <a:t>. </a:t>
+            </a:r>
+            <a:r>
+              <a:rPr lang="en-US" dirty="0" err="1"/>
+              <a:t>Akurasi</a:t>
+            </a:r>
+            <a:r>
+              <a:rPr lang="en-US" dirty="0"/>
+              <a:t> yang </a:t>
+            </a:r>
+            <a:r>
+              <a:rPr lang="en-US" dirty="0" err="1"/>
+              <a:t>tertinggi</a:t>
+            </a:r>
+            <a:r>
+              <a:rPr lang="en-US" dirty="0"/>
+              <a:t> </a:t>
+            </a:r>
+            <a:r>
+              <a:rPr lang="en-US" dirty="0" err="1"/>
+              <a:t>diambil</a:t>
+            </a:r>
+            <a:r>
+              <a:rPr lang="en-US" dirty="0"/>
+              <a:t>. (</a:t>
+            </a:r>
+            <a:r>
+              <a:rPr lang="en-US" dirty="0" err="1"/>
+              <a:t>dari</a:t>
+            </a:r>
+            <a:r>
+              <a:rPr lang="en-US" dirty="0"/>
+              <a:t> </a:t>
+            </a:r>
+            <a:r>
+              <a:rPr lang="en-US" dirty="0" err="1"/>
+              <a:t>hasil</a:t>
+            </a:r>
+            <a:r>
+              <a:rPr lang="en-US" dirty="0"/>
+              <a:t> desc </a:t>
+            </a:r>
+            <a:r>
+              <a:rPr lang="en-US" dirty="0" err="1"/>
+              <a:t>tinjauan</a:t>
+            </a:r>
+            <a:r>
+              <a:rPr lang="en-US" dirty="0"/>
+              <a:t> </a:t>
+            </a:r>
+            <a:r>
+              <a:rPr lang="en-US" dirty="0" err="1"/>
+              <a:t>literatur</a:t>
+            </a:r>
+            <a:r>
+              <a:rPr lang="en-US" dirty="0"/>
+              <a:t>) (MAPE, MAE, RSME)</a:t>
+            </a:r>
+          </a:p>
+          <a:p>
+            <a:r>
+              <a:rPr lang="en-US" dirty="0" err="1"/>
+              <a:t>Jelaskan</a:t>
+            </a:r>
+            <a:r>
+              <a:rPr lang="en-US" dirty="0"/>
+              <a:t> </a:t>
+            </a:r>
+            <a:r>
+              <a:rPr lang="en-US" dirty="0" err="1"/>
+              <a:t>studinya</a:t>
+            </a:r>
+            <a:r>
+              <a:rPr lang="en-US" dirty="0"/>
+              <a:t>, </a:t>
+            </a:r>
+            <a:r>
+              <a:rPr lang="en-US" dirty="0" err="1"/>
+              <a:t>pakainya</a:t>
+            </a:r>
+            <a:r>
+              <a:rPr lang="en-US" dirty="0"/>
+              <a:t> yang mana </a:t>
+            </a:r>
+            <a:r>
+              <a:rPr lang="en-US" dirty="0" err="1"/>
+              <a:t>dalam</a:t>
+            </a:r>
+            <a:r>
+              <a:rPr lang="en-US" dirty="0"/>
+              <a:t> </a:t>
+            </a:r>
+            <a:r>
+              <a:rPr lang="en-US" dirty="0" err="1"/>
+              <a:t>penelitian</a:t>
+            </a:r>
+            <a:endParaRPr lang="en-US" dirty="0"/>
+          </a:p>
+          <a:p>
+            <a:r>
+              <a:rPr lang="en-US" dirty="0"/>
+              <a:t>Dari 20 paper mana yang paling </a:t>
+            </a:r>
+            <a:r>
+              <a:rPr lang="en-US" dirty="0" err="1"/>
+              <a:t>mendekati</a:t>
+            </a:r>
+            <a:endParaRPr lang="en-US" dirty="0"/>
+          </a:p>
+          <a:p>
+            <a:r>
+              <a:rPr lang="en-US" dirty="0" err="1"/>
+              <a:t>Teori</a:t>
+            </a:r>
+            <a:r>
+              <a:rPr lang="en-US" dirty="0"/>
+              <a:t> yang </a:t>
+            </a:r>
+            <a:r>
+              <a:rPr lang="en-US" dirty="0" err="1"/>
+              <a:t>berhubungan</a:t>
+            </a:r>
+            <a:r>
+              <a:rPr lang="en-US" dirty="0"/>
+              <a:t> </a:t>
+            </a:r>
+            <a:r>
+              <a:rPr lang="en-US" dirty="0" err="1"/>
+              <a:t>dalam</a:t>
+            </a:r>
+            <a:r>
+              <a:rPr lang="en-US" dirty="0"/>
+              <a:t> </a:t>
+            </a:r>
+            <a:r>
+              <a:rPr lang="en-US" dirty="0" err="1"/>
+              <a:t>penelitian</a:t>
+            </a:r>
+            <a:endParaRPr lang="en-US" dirty="0"/>
+          </a:p>
+          <a:p>
+            <a:r>
+              <a:rPr lang="en-US" dirty="0"/>
+              <a:t>Dari 2 </a:t>
+            </a:r>
+            <a:r>
+              <a:rPr lang="en-US" dirty="0" err="1"/>
+              <a:t>isu</a:t>
+            </a:r>
+            <a:r>
+              <a:rPr lang="en-US" dirty="0"/>
+              <a:t>, </a:t>
+            </a:r>
+            <a:r>
+              <a:rPr lang="en-US" dirty="0" err="1"/>
+              <a:t>terdapat</a:t>
+            </a:r>
+            <a:r>
+              <a:rPr lang="en-US" dirty="0"/>
+              <a:t> </a:t>
+            </a:r>
+            <a:r>
+              <a:rPr lang="en-US" dirty="0" err="1"/>
+              <a:t>berapa</a:t>
+            </a:r>
+            <a:r>
+              <a:rPr lang="en-US" dirty="0"/>
+              <a:t> paper, </a:t>
+            </a:r>
+            <a:r>
+              <a:rPr lang="en-US" dirty="0" err="1"/>
+              <a:t>bisa</a:t>
+            </a:r>
+            <a:r>
+              <a:rPr lang="en-US" dirty="0"/>
+              <a:t> </a:t>
+            </a:r>
+            <a:r>
+              <a:rPr lang="en-US" dirty="0" err="1"/>
+              <a:t>menggunakan</a:t>
+            </a:r>
+            <a:r>
+              <a:rPr lang="en-US" dirty="0"/>
+              <a:t> </a:t>
+            </a:r>
+            <a:r>
+              <a:rPr lang="en-US" dirty="0" err="1"/>
+              <a:t>grafik</a:t>
+            </a:r>
+            <a:endParaRPr lang="en-US" dirty="0"/>
+          </a:p>
+          <a:p>
+            <a:r>
+              <a:rPr lang="en-US" dirty="0" err="1"/>
+              <a:t>Metodenya</a:t>
+            </a:r>
+            <a:r>
+              <a:rPr lang="en-US" dirty="0"/>
+              <a:t> </a:t>
+            </a:r>
+            <a:r>
+              <a:rPr lang="en-US" dirty="0" err="1"/>
+              <a:t>ada</a:t>
+            </a:r>
+            <a:r>
+              <a:rPr lang="en-US" dirty="0"/>
+              <a:t> </a:t>
+            </a:r>
+            <a:r>
+              <a:rPr lang="en-US" dirty="0" err="1"/>
+              <a:t>berapa</a:t>
+            </a:r>
+            <a:r>
+              <a:rPr lang="en-US" dirty="0"/>
+              <a:t> juga</a:t>
+            </a:r>
+          </a:p>
+          <a:p>
+            <a:r>
+              <a:rPr lang="en-US" dirty="0" err="1"/>
+              <a:t>Klasifikasi</a:t>
+            </a:r>
+            <a:r>
+              <a:rPr lang="en-US" dirty="0"/>
+              <a:t> dataset (</a:t>
+            </a:r>
+            <a:r>
+              <a:rPr lang="en-US" dirty="0" err="1"/>
+              <a:t>pegawai</a:t>
+            </a:r>
+            <a:r>
+              <a:rPr lang="en-US" dirty="0"/>
+              <a:t> </a:t>
+            </a:r>
+            <a:r>
+              <a:rPr lang="en-US" dirty="0" err="1"/>
+              <a:t>berapa</a:t>
+            </a:r>
+            <a:r>
+              <a:rPr lang="en-US" dirty="0"/>
+              <a:t>, </a:t>
+            </a:r>
+            <a:r>
+              <a:rPr lang="en-US" dirty="0" err="1"/>
+              <a:t>apa</a:t>
+            </a:r>
+            <a:r>
+              <a:rPr lang="en-US" dirty="0"/>
+              <a:t> </a:t>
+            </a:r>
+            <a:r>
+              <a:rPr lang="en-US" dirty="0" err="1"/>
+              <a:t>berapa</a:t>
+            </a:r>
+            <a:r>
+              <a:rPr lang="en-US" dirty="0"/>
+              <a:t>)\</a:t>
+            </a:r>
+          </a:p>
+          <a:p>
+            <a:r>
+              <a:rPr lang="en-US" dirty="0"/>
+              <a:t>Cari </a:t>
+            </a:r>
+            <a:r>
+              <a:rPr lang="en-US" dirty="0" err="1"/>
+              <a:t>kesimpulan</a:t>
+            </a:r>
+            <a:r>
+              <a:rPr lang="en-US" dirty="0"/>
+              <a:t> </a:t>
+            </a:r>
+            <a:r>
+              <a:rPr lang="en-US" dirty="0" err="1"/>
+              <a:t>dari</a:t>
+            </a:r>
+            <a:r>
+              <a:rPr lang="en-US" dirty="0"/>
+              <a:t> review paper yang paling </a:t>
+            </a:r>
+            <a:r>
+              <a:rPr lang="en-US" dirty="0" err="1"/>
+              <a:t>terdekat</a:t>
+            </a:r>
+            <a:endParaRPr lang="en-US" dirty="0"/>
           </a:p>
         </p:txBody>
       </p:sp>
